--- a/public/img/imagenes.pptx
+++ b/public/img/imagenes.pptx
@@ -5,12 +5,11 @@
     <p:sldMasterId id="2147483648" r:id="rId1"/>
   </p:sldMasterIdLst>
   <p:sldIdLst>
-    <p:sldId id="256" r:id="rId2"/>
-    <p:sldId id="257" r:id="rId3"/>
-    <p:sldId id="261" r:id="rId4"/>
-    <p:sldId id="259" r:id="rId5"/>
-    <p:sldId id="258" r:id="rId6"/>
-    <p:sldId id="260" r:id="rId7"/>
+    <p:sldId id="261" r:id="rId2"/>
+    <p:sldId id="262" r:id="rId3"/>
+    <p:sldId id="259" r:id="rId4"/>
+    <p:sldId id="258" r:id="rId5"/>
+    <p:sldId id="260" r:id="rId6"/>
   </p:sldIdLst>
   <p:sldSz cx="12192000" cy="6858000"/>
   <p:notesSz cx="6858000" cy="9144000"/>
@@ -266,7 +265,7 @@
           <a:p>
             <a:fld id="{D87B936A-1D98-4475-9BF6-A215CC2FCBF5}" type="datetimeFigureOut">
               <a:rPr lang="es-GT" smtClean="0"/>
-              <a:t>15/12/2022</a:t>
+              <a:t>16/12/2022</a:t>
             </a:fld>
             <a:endParaRPr lang="es-GT"/>
           </a:p>
@@ -466,7 +465,7 @@
           <a:p>
             <a:fld id="{D87B936A-1D98-4475-9BF6-A215CC2FCBF5}" type="datetimeFigureOut">
               <a:rPr lang="es-GT" smtClean="0"/>
-              <a:t>15/12/2022</a:t>
+              <a:t>16/12/2022</a:t>
             </a:fld>
             <a:endParaRPr lang="es-GT"/>
           </a:p>
@@ -676,7 +675,7 @@
           <a:p>
             <a:fld id="{D87B936A-1D98-4475-9BF6-A215CC2FCBF5}" type="datetimeFigureOut">
               <a:rPr lang="es-GT" smtClean="0"/>
-              <a:t>15/12/2022</a:t>
+              <a:t>16/12/2022</a:t>
             </a:fld>
             <a:endParaRPr lang="es-GT"/>
           </a:p>
@@ -876,7 +875,7 @@
           <a:p>
             <a:fld id="{D87B936A-1D98-4475-9BF6-A215CC2FCBF5}" type="datetimeFigureOut">
               <a:rPr lang="es-GT" smtClean="0"/>
-              <a:t>15/12/2022</a:t>
+              <a:t>16/12/2022</a:t>
             </a:fld>
             <a:endParaRPr lang="es-GT"/>
           </a:p>
@@ -1152,7 +1151,7 @@
           <a:p>
             <a:fld id="{D87B936A-1D98-4475-9BF6-A215CC2FCBF5}" type="datetimeFigureOut">
               <a:rPr lang="es-GT" smtClean="0"/>
-              <a:t>15/12/2022</a:t>
+              <a:t>16/12/2022</a:t>
             </a:fld>
             <a:endParaRPr lang="es-GT"/>
           </a:p>
@@ -1420,7 +1419,7 @@
           <a:p>
             <a:fld id="{D87B936A-1D98-4475-9BF6-A215CC2FCBF5}" type="datetimeFigureOut">
               <a:rPr lang="es-GT" smtClean="0"/>
-              <a:t>15/12/2022</a:t>
+              <a:t>16/12/2022</a:t>
             </a:fld>
             <a:endParaRPr lang="es-GT"/>
           </a:p>
@@ -1835,7 +1834,7 @@
           <a:p>
             <a:fld id="{D87B936A-1D98-4475-9BF6-A215CC2FCBF5}" type="datetimeFigureOut">
               <a:rPr lang="es-GT" smtClean="0"/>
-              <a:t>15/12/2022</a:t>
+              <a:t>16/12/2022</a:t>
             </a:fld>
             <a:endParaRPr lang="es-GT"/>
           </a:p>
@@ -1977,7 +1976,7 @@
           <a:p>
             <a:fld id="{D87B936A-1D98-4475-9BF6-A215CC2FCBF5}" type="datetimeFigureOut">
               <a:rPr lang="es-GT" smtClean="0"/>
-              <a:t>15/12/2022</a:t>
+              <a:t>16/12/2022</a:t>
             </a:fld>
             <a:endParaRPr lang="es-GT"/>
           </a:p>
@@ -2090,7 +2089,7 @@
           <a:p>
             <a:fld id="{D87B936A-1D98-4475-9BF6-A215CC2FCBF5}" type="datetimeFigureOut">
               <a:rPr lang="es-GT" smtClean="0"/>
-              <a:t>15/12/2022</a:t>
+              <a:t>16/12/2022</a:t>
             </a:fld>
             <a:endParaRPr lang="es-GT"/>
           </a:p>
@@ -2403,7 +2402,7 @@
           <a:p>
             <a:fld id="{D87B936A-1D98-4475-9BF6-A215CC2FCBF5}" type="datetimeFigureOut">
               <a:rPr lang="es-GT" smtClean="0"/>
-              <a:t>15/12/2022</a:t>
+              <a:t>16/12/2022</a:t>
             </a:fld>
             <a:endParaRPr lang="es-GT"/>
           </a:p>
@@ -2692,7 +2691,7 @@
           <a:p>
             <a:fld id="{D87B936A-1D98-4475-9BF6-A215CC2FCBF5}" type="datetimeFigureOut">
               <a:rPr lang="es-GT" smtClean="0"/>
-              <a:t>15/12/2022</a:t>
+              <a:t>16/12/2022</a:t>
             </a:fld>
             <a:endParaRPr lang="es-GT"/>
           </a:p>
@@ -2935,7 +2934,7 @@
           <a:p>
             <a:fld id="{D87B936A-1D98-4475-9BF6-A215CC2FCBF5}" type="datetimeFigureOut">
               <a:rPr lang="es-GT" smtClean="0"/>
-              <a:t>15/12/2022</a:t>
+              <a:t>16/12/2022</a:t>
             </a:fld>
             <a:endParaRPr lang="es-GT"/>
           </a:p>
@@ -3354,10 +3353,10 @@
       </p:grpSpPr>
       <p:pic>
         <p:nvPicPr>
-          <p:cNvPr id="2" name="Imagen 1">
-            <a:extLst>
-              <a:ext uri="{FF2B5EF4-FFF2-40B4-BE49-F238E27FC236}">
-                <a16:creationId xmlns:a16="http://schemas.microsoft.com/office/drawing/2014/main" id="{BD8CEF46-763E-DA3B-F518-7BDE37E55323}"/>
+          <p:cNvPr id="6" name="Imagen 5" descr="Imagen que contiene Histograma&#10;&#10;Descripción generada automáticamente">
+            <a:extLst>
+              <a:ext uri="{FF2B5EF4-FFF2-40B4-BE49-F238E27FC236}">
+                <a16:creationId xmlns:a16="http://schemas.microsoft.com/office/drawing/2014/main" id="{09B43DC7-5FD3-9AD2-D0BF-2F75D9033F24}"/>
               </a:ext>
             </a:extLst>
           </p:cNvPr>
@@ -3366,68 +3365,83 @@
           </p:cNvPicPr>
           <p:nvPr/>
         </p:nvPicPr>
-        <p:blipFill>
-          <a:blip r:embed="rId2"/>
-          <a:stretch>
-            <a:fillRect/>
-          </a:stretch>
+        <p:blipFill rotWithShape="1">
+          <a:blip r:embed="rId2">
+            <a:extLst>
+              <a:ext uri="{28A0092B-C50C-407E-A947-70E740481C1C}">
+                <a14:useLocalDpi xmlns:a14="http://schemas.microsoft.com/office/drawing/2010/main" val="0"/>
+              </a:ext>
+            </a:extLst>
+          </a:blip>
+          <a:srcRect t="20423" b="21146"/>
+          <a:stretch/>
         </p:blipFill>
         <p:spPr>
           <a:xfrm>
-            <a:off x="843321" y="2057400"/>
-            <a:ext cx="2743200" cy="2743200"/>
+            <a:off x="0" y="459225"/>
+            <a:ext cx="12192000" cy="2969775"/>
           </a:xfrm>
           <a:prstGeom prst="rect">
             <a:avLst/>
           </a:prstGeom>
         </p:spPr>
       </p:pic>
-      <p:sp>
-        <p:nvSpPr>
-          <p:cNvPr id="3" name="CuadroTexto 2">
-            <a:extLst>
-              <a:ext uri="{FF2B5EF4-FFF2-40B4-BE49-F238E27FC236}">
-                <a16:creationId xmlns:a16="http://schemas.microsoft.com/office/drawing/2014/main" id="{614A9BF9-413C-E34D-F8BA-67ED21C0565A}"/>
-              </a:ext>
-            </a:extLst>
-          </p:cNvPr>
-          <p:cNvSpPr txBox="1"/>
+      <p:pic>
+        <p:nvPicPr>
+          <p:cNvPr id="2" name="Imagen 1" descr="Imagen que contiene Histograma&#10;&#10;Descripción generada automáticamente">
+            <a:extLst>
+              <a:ext uri="{FF2B5EF4-FFF2-40B4-BE49-F238E27FC236}">
+                <a16:creationId xmlns:a16="http://schemas.microsoft.com/office/drawing/2014/main" id="{5D021CCB-EDEE-A12B-7CF9-051EA99EADCB}"/>
+              </a:ext>
+            </a:extLst>
+          </p:cNvPr>
+          <p:cNvPicPr>
+            <a:picLocks noChangeAspect="1"/>
+          </p:cNvPicPr>
           <p:nvPr/>
-        </p:nvSpPr>
+        </p:nvPicPr>
+        <p:blipFill rotWithShape="1">
+          <a:blip r:embed="rId3">
+            <a:alphaModFix amt="20000"/>
+            <a:duotone>
+              <a:schemeClr val="accent5">
+                <a:shade val="45000"/>
+                <a:satMod val="135000"/>
+              </a:schemeClr>
+              <a:prstClr val="white"/>
+            </a:duotone>
+            <a:extLst>
+              <a:ext uri="{BEBA8EAE-BF5A-486C-A8C5-ECC9F3942E4B}">
+                <a14:imgProps xmlns:a14="http://schemas.microsoft.com/office/drawing/2010/main">
+                  <a14:imgLayer r:embed="rId4">
+                    <a14:imgEffect>
+                      <a14:artisticPhotocopy/>
+                    </a14:imgEffect>
+                  </a14:imgLayer>
+                </a14:imgProps>
+              </a:ext>
+              <a:ext uri="{28A0092B-C50C-407E-A947-70E740481C1C}">
+                <a14:useLocalDpi xmlns:a14="http://schemas.microsoft.com/office/drawing/2010/main" val="0"/>
+              </a:ext>
+            </a:extLst>
+          </a:blip>
+          <a:srcRect t="30197" b="21146"/>
+          <a:stretch/>
+        </p:blipFill>
         <p:spPr>
           <a:xfrm>
-            <a:off x="3850321" y="2105561"/>
-            <a:ext cx="32188183" cy="2646878"/>
+            <a:off x="0" y="4211783"/>
+            <a:ext cx="12192000" cy="2473036"/>
           </a:xfrm>
           <a:prstGeom prst="rect">
             <a:avLst/>
           </a:prstGeom>
-          <a:noFill/>
         </p:spPr>
-        <p:txBody>
-          <a:bodyPr wrap="square" rtlCol="0">
-            <a:spAutoFit/>
-          </a:bodyPr>
-          <a:lstStyle/>
-          <a:p>
-            <a:r>
-              <a:rPr lang="es-GT" sz="16600" u="dbl" cap="all" dirty="0">
-                <a:latin typeface="Times New Roman" panose="02020603050405020304" pitchFamily="18" charset="0"/>
-                <a:cs typeface="Times New Roman" panose="02020603050405020304" pitchFamily="18" charset="0"/>
-              </a:rPr>
-              <a:t>Ladrillos</a:t>
-            </a:r>
-            <a:r>
-              <a:rPr lang="es-GT" sz="16600" u="dbl" cap="all" dirty="0"/>
-              <a:t> y quetzales</a:t>
-            </a:r>
-          </a:p>
-        </p:txBody>
-      </p:sp>
+      </p:pic>
     </p:spTree>
     <p:extLst>
       <p:ext uri="{BB962C8B-B14F-4D97-AF65-F5344CB8AC3E}">
-        <p14:creationId xmlns:p14="http://schemas.microsoft.com/office/powerpoint/2010/main" val="2932034938"/>
+        <p14:creationId xmlns:p14="http://schemas.microsoft.com/office/powerpoint/2010/main" val="1817386832"/>
       </p:ext>
     </p:extLst>
   </p:cSld>
@@ -3456,10 +3470,10 @@
       </p:grpSpPr>
       <p:pic>
         <p:nvPicPr>
-          <p:cNvPr id="3" name="Imagen 2">
-            <a:extLst>
-              <a:ext uri="{FF2B5EF4-FFF2-40B4-BE49-F238E27FC236}">
-                <a16:creationId xmlns:a16="http://schemas.microsoft.com/office/drawing/2014/main" id="{9527926C-548E-C409-6C0A-E33E49A0091B}"/>
+          <p:cNvPr id="5" name="Imagen 4">
+            <a:extLst>
+              <a:ext uri="{FF2B5EF4-FFF2-40B4-BE49-F238E27FC236}">
+                <a16:creationId xmlns:a16="http://schemas.microsoft.com/office/drawing/2014/main" id="{A06F4CF6-F003-74C9-04F8-2E9415BFBE41}"/>
               </a:ext>
             </a:extLst>
           </p:cNvPr>
@@ -3469,95 +3483,28 @@
           <p:nvPr/>
         </p:nvPicPr>
         <p:blipFill>
-          <a:blip r:embed="rId2"/>
+          <a:blip r:embed="rId2">
+            <a:alphaModFix amt="20000"/>
+            <a:extLst>
+              <a:ext uri="{BEBA8EAE-BF5A-486C-A8C5-ECC9F3942E4B}">
+                <a14:imgProps xmlns:a14="http://schemas.microsoft.com/office/drawing/2010/main">
+                  <a14:imgLayer r:embed="rId3">
+                    <a14:imgEffect>
+                      <a14:artisticPhotocopy/>
+                    </a14:imgEffect>
+                  </a14:imgLayer>
+                </a14:imgProps>
+              </a:ext>
+            </a:extLst>
+          </a:blip>
           <a:stretch>
             <a:fillRect/>
           </a:stretch>
         </p:blipFill>
         <p:spPr>
           <a:xfrm>
-            <a:off x="129526" y="137345"/>
-            <a:ext cx="5144218" cy="1267002"/>
-          </a:xfrm>
-          <a:prstGeom prst="rect">
-            <a:avLst/>
-          </a:prstGeom>
-        </p:spPr>
-      </p:pic>
-      <p:pic>
-        <p:nvPicPr>
-          <p:cNvPr id="4" name="Imagen 3">
-            <a:extLst>
-              <a:ext uri="{FF2B5EF4-FFF2-40B4-BE49-F238E27FC236}">
-                <a16:creationId xmlns:a16="http://schemas.microsoft.com/office/drawing/2014/main" id="{1E3EE51B-BD12-6081-3F7A-FD6224FAA5E4}"/>
-              </a:ext>
-            </a:extLst>
-          </p:cNvPr>
-          <p:cNvPicPr>
-            <a:picLocks noChangeAspect="1"/>
-          </p:cNvPicPr>
-          <p:nvPr/>
-        </p:nvPicPr>
-        <p:blipFill rotWithShape="1">
-          <a:blip r:embed="rId2">
-            <a:clrChange>
-              <a:clrFrom>
-                <a:srgbClr val="EDEFF1"/>
-              </a:clrFrom>
-              <a:clrTo>
-                <a:srgbClr val="EDEFF1">
-                  <a:alpha val="0"/>
-                </a:srgbClr>
-              </a:clrTo>
-            </a:clrChange>
-          </a:blip>
-          <a:srcRect l="-47395" t="29454" r="-4502" b="-20214"/>
-          <a:stretch/>
-        </p:blipFill>
-        <p:spPr>
-          <a:xfrm>
-            <a:off x="1288473" y="3629891"/>
-            <a:ext cx="7813964" cy="1149927"/>
-          </a:xfrm>
-          <a:prstGeom prst="rect">
-            <a:avLst/>
-          </a:prstGeom>
-        </p:spPr>
-      </p:pic>
-      <p:pic>
-        <p:nvPicPr>
-          <p:cNvPr id="5" name="Imagen 4">
-            <a:extLst>
-              <a:ext uri="{FF2B5EF4-FFF2-40B4-BE49-F238E27FC236}">
-                <a16:creationId xmlns:a16="http://schemas.microsoft.com/office/drawing/2014/main" id="{2BDEC5D6-A8FC-CD9B-021B-DBC3C004244D}"/>
-              </a:ext>
-            </a:extLst>
-          </p:cNvPr>
-          <p:cNvPicPr>
-            <a:picLocks noChangeAspect="1"/>
-          </p:cNvPicPr>
-          <p:nvPr/>
-        </p:nvPicPr>
-        <p:blipFill rotWithShape="1">
-          <a:blip r:embed="rId2">
-            <a:clrChange>
-              <a:clrFrom>
-                <a:srgbClr val="EDEFF1"/>
-              </a:clrFrom>
-              <a:clrTo>
-                <a:srgbClr val="EDEFF1">
-                  <a:alpha val="0"/>
-                </a:srgbClr>
-              </a:clrTo>
-            </a:clrChange>
-          </a:blip>
-          <a:srcRect l="26" t="29454" r="-387" b="-20214"/>
-          <a:stretch/>
-        </p:blipFill>
-        <p:spPr>
-          <a:xfrm>
-            <a:off x="3727937" y="5211867"/>
-            <a:ext cx="5162845" cy="1149927"/>
+            <a:off x="4814708" y="2490656"/>
+            <a:ext cx="2562583" cy="1876687"/>
           </a:xfrm>
           <a:prstGeom prst="rect">
             <a:avLst/>
@@ -3567,7 +3514,7 @@
     </p:spTree>
     <p:extLst>
       <p:ext uri="{BB962C8B-B14F-4D97-AF65-F5344CB8AC3E}">
-        <p14:creationId xmlns:p14="http://schemas.microsoft.com/office/powerpoint/2010/main" val="3962390801"/>
+        <p14:creationId xmlns:p14="http://schemas.microsoft.com/office/powerpoint/2010/main" val="3649160854"/>
       </p:ext>
     </p:extLst>
   </p:cSld>
@@ -3578,71 +3525,6 @@
 </file>
 
 <file path=ppt/slides/slide3.xml><?xml version="1.0" encoding="utf-8"?>
-<p:sld xmlns:a="http://schemas.openxmlformats.org/drawingml/2006/main" xmlns:r="http://schemas.openxmlformats.org/officeDocument/2006/relationships" xmlns:p="http://schemas.openxmlformats.org/presentationml/2006/main">
-  <p:cSld>
-    <p:spTree>
-      <p:nvGrpSpPr>
-        <p:cNvPr id="1" name=""/>
-        <p:cNvGrpSpPr/>
-        <p:nvPr/>
-      </p:nvGrpSpPr>
-      <p:grpSpPr>
-        <a:xfrm>
-          <a:off x="0" y="0"/>
-          <a:ext cx="0" cy="0"/>
-          <a:chOff x="0" y="0"/>
-          <a:chExt cx="0" cy="0"/>
-        </a:xfrm>
-      </p:grpSpPr>
-      <p:pic>
-        <p:nvPicPr>
-          <p:cNvPr id="6" name="Imagen 5" descr="Imagen que contiene Histograma&#10;&#10;Descripción generada automáticamente">
-            <a:extLst>
-              <a:ext uri="{FF2B5EF4-FFF2-40B4-BE49-F238E27FC236}">
-                <a16:creationId xmlns:a16="http://schemas.microsoft.com/office/drawing/2014/main" id="{09B43DC7-5FD3-9AD2-D0BF-2F75D9033F24}"/>
-              </a:ext>
-            </a:extLst>
-          </p:cNvPr>
-          <p:cNvPicPr>
-            <a:picLocks noChangeAspect="1"/>
-          </p:cNvPicPr>
-          <p:nvPr/>
-        </p:nvPicPr>
-        <p:blipFill rotWithShape="1">
-          <a:blip r:embed="rId2">
-            <a:extLst>
-              <a:ext uri="{28A0092B-C50C-407E-A947-70E740481C1C}">
-                <a14:useLocalDpi xmlns:a14="http://schemas.microsoft.com/office/drawing/2010/main" val="0"/>
-              </a:ext>
-            </a:extLst>
-          </a:blip>
-          <a:srcRect t="20423" b="21146"/>
-          <a:stretch/>
-        </p:blipFill>
-        <p:spPr>
-          <a:xfrm>
-            <a:off x="0" y="1925782"/>
-            <a:ext cx="12192000" cy="2969775"/>
-          </a:xfrm>
-          <a:prstGeom prst="rect">
-            <a:avLst/>
-          </a:prstGeom>
-        </p:spPr>
-      </p:pic>
-    </p:spTree>
-    <p:extLst>
-      <p:ext uri="{BB962C8B-B14F-4D97-AF65-F5344CB8AC3E}">
-        <p14:creationId xmlns:p14="http://schemas.microsoft.com/office/powerpoint/2010/main" val="1817386832"/>
-      </p:ext>
-    </p:extLst>
-  </p:cSld>
-  <p:clrMapOvr>
-    <a:masterClrMapping/>
-  </p:clrMapOvr>
-</p:sld>
-</file>
-
-<file path=ppt/slides/slide4.xml><?xml version="1.0" encoding="utf-8"?>
 <p:sld xmlns:a="http://schemas.openxmlformats.org/drawingml/2006/main" xmlns:r="http://schemas.openxmlformats.org/officeDocument/2006/relationships" xmlns:p="http://schemas.openxmlformats.org/presentationml/2006/main">
   <p:cSld>
     <p:spTree>
@@ -3752,7 +3634,7 @@
 </p:sld>
 </file>
 
-<file path=ppt/slides/slide5.xml><?xml version="1.0" encoding="utf-8"?>
+<file path=ppt/slides/slide4.xml><?xml version="1.0" encoding="utf-8"?>
 <p:sld xmlns:a="http://schemas.openxmlformats.org/drawingml/2006/main" xmlns:r="http://schemas.openxmlformats.org/officeDocument/2006/relationships" xmlns:p="http://schemas.openxmlformats.org/presentationml/2006/main">
   <p:cSld>
     <p:spTree>
@@ -3872,7 +3754,7 @@
 </p:sld>
 </file>
 
-<file path=ppt/slides/slide6.xml><?xml version="1.0" encoding="utf-8"?>
+<file path=ppt/slides/slide5.xml><?xml version="1.0" encoding="utf-8"?>
 <p:sld xmlns:a="http://schemas.openxmlformats.org/drawingml/2006/main" xmlns:r="http://schemas.openxmlformats.org/officeDocument/2006/relationships" xmlns:p="http://schemas.openxmlformats.org/presentationml/2006/main">
   <p:cSld>
     <p:spTree>
